--- a/Présentation DUT.pptx
+++ b/Présentation DUT.pptx
@@ -3965,18 +3965,11 @@
         <a:lstStyle/>
         <a:p>
           <a:r>
-            <a:rPr lang="fr-FR" sz="2000">
-              <a:latin typeface="Times New Roman" panose="02020603050405020304" pitchFamily="18" charset="0"/>
-              <a:cs typeface="Times New Roman" panose="02020603050405020304" pitchFamily="18" charset="0"/>
-            </a:rPr>
-            <a:t>Décrivent </a:t>
-          </a:r>
-          <a:r>
             <a:rPr lang="fr-FR" sz="2000" dirty="0">
               <a:latin typeface="Times New Roman" panose="02020603050405020304" pitchFamily="18" charset="0"/>
               <a:cs typeface="Times New Roman" panose="02020603050405020304" pitchFamily="18" charset="0"/>
             </a:rPr>
-            <a:t>les différentes classes interagissant dans le système</a:t>
+            <a:t>Décrivent les différentes classes interagissant dans le système</a:t>
           </a:r>
         </a:p>
       </dgm:t>
@@ -5423,18 +5416,11 @@
             <a:buChar char="•"/>
           </a:pPr>
           <a:r>
-            <a:rPr lang="fr-FR" sz="2000" kern="1200">
-              <a:latin typeface="Times New Roman" panose="02020603050405020304" pitchFamily="18" charset="0"/>
-              <a:cs typeface="Times New Roman" panose="02020603050405020304" pitchFamily="18" charset="0"/>
-            </a:rPr>
-            <a:t>Décrivent </a:t>
-          </a:r>
-          <a:r>
             <a:rPr lang="fr-FR" sz="2000" kern="1200" dirty="0">
               <a:latin typeface="Times New Roman" panose="02020603050405020304" pitchFamily="18" charset="0"/>
               <a:cs typeface="Times New Roman" panose="02020603050405020304" pitchFamily="18" charset="0"/>
             </a:rPr>
-            <a:t>les différentes classes interagissant dans le système</a:t>
+            <a:t>Décrivent les différentes classes interagissant dans le système</a:t>
           </a:r>
         </a:p>
       </dsp:txBody>
@@ -19178,6 +19164,45 @@
                 <a:sym typeface="Karla"/>
               </a:rPr>
               <a:t>: CRENT</a:t>
+            </a:r>
+          </a:p>
+        </p:txBody>
+      </p:sp>
+      <p:sp>
+        <p:nvSpPr>
+          <p:cNvPr id="9" name="ZoneTexte 3">
+            <a:extLst>
+              <a:ext uri="{FF2B5EF4-FFF2-40B4-BE49-F238E27FC236}">
+                <a16:creationId xmlns:a16="http://schemas.microsoft.com/office/drawing/2014/main" id="{ECB0E253-65E4-44AE-BC59-FFFA2F06A5A5}"/>
+              </a:ext>
+            </a:extLst>
+          </p:cNvPr>
+          <p:cNvSpPr txBox="1"/>
+          <p:nvPr/>
+        </p:nvSpPr>
+        <p:spPr>
+          <a:xfrm>
+            <a:off x="8812405" y="4748487"/>
+            <a:ext cx="331595" cy="400110"/>
+          </a:xfrm>
+          <a:prstGeom prst="rect">
+            <a:avLst/>
+          </a:prstGeom>
+          <a:noFill/>
+        </p:spPr>
+        <p:txBody>
+          <a:bodyPr wrap="square" rtlCol="0">
+            <a:spAutoFit/>
+          </a:bodyPr>
+          <a:lstStyle/>
+          <a:p>
+            <a:r>
+              <a:rPr lang="fr-FR" sz="2000" dirty="0">
+                <a:solidFill>
+                  <a:schemeClr val="bg1"/>
+                </a:solidFill>
+              </a:rPr>
+              <a:t>1</a:t>
             </a:r>
           </a:p>
         </p:txBody>
@@ -29007,18 +29032,9 @@
   <p:clrMapOvr>
     <a:masterClrMapping/>
   </p:clrMapOvr>
-  <mc:AlternateContent xmlns:mc="http://schemas.openxmlformats.org/markup-compatibility/2006" xmlns:p14="http://schemas.microsoft.com/office/powerpoint/2010/main">
-    <mc:Choice Requires="p14">
-      <p:transition spd="slow" p14:dur="1200">
-        <p14:prism/>
-      </p:transition>
-    </mc:Choice>
-    <mc:Fallback xmlns="">
-      <p:transition spd="slow">
-        <p:fade/>
-      </p:transition>
-    </mc:Fallback>
-  </mc:AlternateContent>
+  <p:transition spd="slow">
+    <p:comb/>
+  </p:transition>
   <p:timing>
     <p:tnLst>
       <p:par>
@@ -29053,7 +29069,11 @@
                                           </p:stCondLst>
                                         </p:cTn>
                                         <p:tgtEl>
-                                          <p:spTgt spid="1048706"/>
+                                          <p:spTgt spid="1048707">
+                                            <p:txEl>
+                                              <p:pRg st="0" end="0"/>
+                                            </p:txEl>
+                                          </p:spTgt>
                                         </p:tgtEl>
                                         <p:attrNameLst>
                                           <p:attrName>style.visibility</p:attrName>
@@ -29065,17 +29085,25 @@
                                     </p:set>
                                     <p:animEffect transition="in" filter="fade">
                                       <p:cBhvr>
-                                        <p:cTn id="7" dur="750"/>
+                                        <p:cTn id="7" dur="250"/>
                                         <p:tgtEl>
-                                          <p:spTgt spid="1048706"/>
+                                          <p:spTgt spid="1048707">
+                                            <p:txEl>
+                                              <p:pRg st="0" end="0"/>
+                                            </p:txEl>
+                                          </p:spTgt>
                                         </p:tgtEl>
                                       </p:cBhvr>
                                     </p:animEffect>
                                     <p:anim calcmode="lin" valueType="num">
                                       <p:cBhvr>
-                                        <p:cTn id="8" dur="750" fill="hold"/>
+                                        <p:cTn id="8" dur="250" fill="hold"/>
                                         <p:tgtEl>
-                                          <p:spTgt spid="1048706"/>
+                                          <p:spTgt spid="1048707">
+                                            <p:txEl>
+                                              <p:pRg st="0" end="0"/>
+                                            </p:txEl>
+                                          </p:spTgt>
                                         </p:tgtEl>
                                         <p:attrNameLst>
                                           <p:attrName>ppt_x</p:attrName>
@@ -29096,9 +29124,13 @@
                                     </p:anim>
                                     <p:anim calcmode="lin" valueType="num">
                                       <p:cBhvr>
-                                        <p:cTn id="9" dur="750" fill="hold"/>
+                                        <p:cTn id="9" dur="250" fill="hold"/>
                                         <p:tgtEl>
-                                          <p:spTgt spid="1048706"/>
+                                          <p:spTgt spid="1048707">
+                                            <p:txEl>
+                                              <p:pRg st="0" end="0"/>
+                                            </p:txEl>
+                                          </p:spTgt>
                                         </p:tgtEl>
                                         <p:attrNameLst>
                                           <p:attrName>ppt_y</p:attrName>
@@ -29152,11 +29184,7 @@
                                           </p:stCondLst>
                                         </p:cTn>
                                         <p:tgtEl>
-                                          <p:spTgt spid="1048707">
-                                            <p:txEl>
-                                              <p:pRg st="0" end="0"/>
-                                            </p:txEl>
-                                          </p:spTgt>
+                                          <p:spTgt spid="1048706"/>
                                         </p:tgtEl>
                                         <p:attrNameLst>
                                           <p:attrName>style.visibility</p:attrName>
@@ -29170,11 +29198,7 @@
                                       <p:cBhvr>
                                         <p:cTn id="14" dur="750"/>
                                         <p:tgtEl>
-                                          <p:spTgt spid="1048707">
-                                            <p:txEl>
-                                              <p:pRg st="0" end="0"/>
-                                            </p:txEl>
-                                          </p:spTgt>
+                                          <p:spTgt spid="1048706"/>
                                         </p:tgtEl>
                                       </p:cBhvr>
                                     </p:animEffect>
@@ -29182,11 +29206,7 @@
                                       <p:cBhvr>
                                         <p:cTn id="15" dur="750" fill="hold"/>
                                         <p:tgtEl>
-                                          <p:spTgt spid="1048707">
-                                            <p:txEl>
-                                              <p:pRg st="0" end="0"/>
-                                            </p:txEl>
-                                          </p:spTgt>
+                                          <p:spTgt spid="1048706"/>
                                         </p:tgtEl>
                                         <p:attrNameLst>
                                           <p:attrName>ppt_x</p:attrName>
@@ -29209,11 +29229,7 @@
                                       <p:cBhvr>
                                         <p:cTn id="16" dur="750" fill="hold"/>
                                         <p:tgtEl>
-                                          <p:spTgt spid="1048707">
-                                            <p:txEl>
-                                              <p:pRg st="0" end="0"/>
-                                            </p:txEl>
-                                          </p:spTgt>
+                                          <p:spTgt spid="1048706"/>
                                         </p:tgtEl>
                                         <p:attrNameLst>
                                           <p:attrName>ppt_y</p:attrName>
@@ -29232,6 +29248,89 @@
                                         </p:tav>
                                       </p:tavLst>
                                     </p:anim>
+                                  </p:childTnLst>
+                                </p:cTn>
+                              </p:par>
+                            </p:childTnLst>
+                          </p:cTn>
+                        </p:par>
+                      </p:childTnLst>
+                    </p:cTn>
+                  </p:par>
+                  <p:par>
+                    <p:cTn id="17" fill="hold">
+                      <p:stCondLst>
+                        <p:cond delay="indefinite"/>
+                      </p:stCondLst>
+                      <p:childTnLst>
+                        <p:par>
+                          <p:cTn id="18" fill="hold">
+                            <p:stCondLst>
+                              <p:cond delay="0"/>
+                            </p:stCondLst>
+                            <p:childTnLst>
+                              <p:par>
+                                <p:cTn id="19" presetID="24" presetClass="emph" presetSubtype="0" fill="hold" nodeType="clickEffect">
+                                  <p:stCondLst>
+                                    <p:cond delay="0"/>
+                                  </p:stCondLst>
+                                  <p:childTnLst>
+                                    <p:animClr clrSpc="hsl" dir="cw">
+                                      <p:cBhvr override="childStyle">
+                                        <p:cTn id="20" dur="500" fill="hold"/>
+                                        <p:tgtEl>
+                                          <p:spTgt spid="6"/>
+                                        </p:tgtEl>
+                                        <p:attrNameLst>
+                                          <p:attrName>style.color</p:attrName>
+                                        </p:attrNameLst>
+                                      </p:cBhvr>
+                                      <p:by>
+                                        <p:hsl h="0" s="-12549" l="-25098"/>
+                                      </p:by>
+                                    </p:animClr>
+                                    <p:animClr clrSpc="hsl" dir="cw">
+                                      <p:cBhvr>
+                                        <p:cTn id="21" dur="500" fill="hold"/>
+                                        <p:tgtEl>
+                                          <p:spTgt spid="6"/>
+                                        </p:tgtEl>
+                                        <p:attrNameLst>
+                                          <p:attrName>fillcolor</p:attrName>
+                                        </p:attrNameLst>
+                                      </p:cBhvr>
+                                      <p:by>
+                                        <p:hsl h="0" s="-12549" l="-25098"/>
+                                      </p:by>
+                                    </p:animClr>
+                                    <p:animClr clrSpc="hsl" dir="cw">
+                                      <p:cBhvr>
+                                        <p:cTn id="22" dur="500" fill="hold"/>
+                                        <p:tgtEl>
+                                          <p:spTgt spid="6"/>
+                                        </p:tgtEl>
+                                        <p:attrNameLst>
+                                          <p:attrName>stroke.color</p:attrName>
+                                        </p:attrNameLst>
+                                      </p:cBhvr>
+                                      <p:by>
+                                        <p:hsl h="0" s="-12549" l="-25098"/>
+                                      </p:by>
+                                    </p:animClr>
+                                    <p:set>
+                                      <p:cBhvr>
+                                        <p:cTn id="23" dur="500" fill="hold"/>
+                                        <p:tgtEl>
+                                          <p:spTgt spid="6"/>
+                                        </p:tgtEl>
+                                        <p:attrNameLst>
+                                          <p:attrName>fill.type</p:attrName>
+                                        </p:attrNameLst>
+                                      </p:cBhvr>
+                                      <p:to>
+                                        <p:strVal val="solid"/>
+                                      </p:to>
+                                    </p:set>
                                   </p:childTnLst>
                                 </p:cTn>
                               </p:par>
@@ -31688,7 +31787,7 @@
                   <a:schemeClr val="bg1"/>
                 </a:solidFill>
               </a:rPr>
-              <a:t>3</a:t>
+              <a:t>2</a:t>
             </a:r>
           </a:p>
         </p:txBody>
@@ -31698,18 +31797,9 @@
   <p:clrMapOvr>
     <a:masterClrMapping/>
   </p:clrMapOvr>
-  <mc:AlternateContent xmlns:mc="http://schemas.openxmlformats.org/markup-compatibility/2006" xmlns:p14="http://schemas.microsoft.com/office/powerpoint/2010/main">
-    <mc:Choice Requires="p14">
-      <p:transition spd="slow" p14:dur="2000">
-        <p14:reveal/>
-      </p:transition>
-    </mc:Choice>
-    <mc:Fallback xmlns="">
-      <p:transition spd="slow">
-        <p:fade/>
-      </p:transition>
-    </mc:Fallback>
-  </mc:AlternateContent>
+  <p:transition spd="slow">
+    <p:randomBar dir="vert"/>
+  </p:transition>
 </p:sld>
 </file>
 
@@ -31842,7 +31932,7 @@
                   <a:schemeClr val="bg1"/>
                 </a:solidFill>
               </a:rPr>
-              <a:t>19</a:t>
+              <a:t>20</a:t>
             </a:r>
           </a:p>
         </p:txBody>
@@ -32283,7 +32373,7 @@
                   <a:schemeClr val="bg1"/>
                 </a:solidFill>
               </a:rPr>
-              <a:t>19</a:t>
+              <a:t>21</a:t>
             </a:r>
           </a:p>
         </p:txBody>
@@ -32692,7 +32782,7 @@
                   <a:schemeClr val="bg1"/>
                 </a:solidFill>
               </a:rPr>
-              <a:t>20</a:t>
+              <a:t>22</a:t>
             </a:r>
           </a:p>
         </p:txBody>
@@ -33042,7 +33132,7 @@
                   <a:schemeClr val="bg1"/>
                 </a:solidFill>
               </a:rPr>
-              <a:t>21</a:t>
+              <a:t>23</a:t>
             </a:r>
           </a:p>
         </p:txBody>
@@ -34096,7 +34186,7 @@
                   <a:schemeClr val="bg1"/>
                 </a:solidFill>
               </a:rPr>
-              <a:t>22</a:t>
+              <a:t>24</a:t>
             </a:r>
           </a:p>
         </p:txBody>
@@ -34585,7 +34675,7 @@
                   <a:schemeClr val="bg1"/>
                 </a:solidFill>
               </a:rPr>
-              <a:t>23</a:t>
+              <a:t>25</a:t>
             </a:r>
           </a:p>
         </p:txBody>
@@ -35262,14 +35352,20 @@
       </p:sp>
       <p:sp>
         <p:nvSpPr>
-          <p:cNvPr id="1048776" name="ZoneTexte 8"/>
+          <p:cNvPr id="10" name="ZoneTexte 3">
+            <a:extLst>
+              <a:ext uri="{FF2B5EF4-FFF2-40B4-BE49-F238E27FC236}">
+                <a16:creationId xmlns:a16="http://schemas.microsoft.com/office/drawing/2014/main" id="{EF26C313-FA5B-42E8-AEFA-3E7860A9F250}"/>
+              </a:ext>
+            </a:extLst>
+          </p:cNvPr>
           <p:cNvSpPr txBox="1"/>
           <p:nvPr/>
         </p:nvSpPr>
         <p:spPr>
           <a:xfrm>
-            <a:off x="8591341" y="4748487"/>
-            <a:ext cx="562707" cy="400110"/>
+            <a:off x="8548577" y="4748487"/>
+            <a:ext cx="595423" cy="400110"/>
           </a:xfrm>
           <a:prstGeom prst="rect">
             <a:avLst/>
@@ -35288,7 +35384,7 @@
                   <a:schemeClr val="bg1"/>
                 </a:solidFill>
               </a:rPr>
-              <a:t>24</a:t>
+              <a:t>26</a:t>
             </a:r>
           </a:p>
         </p:txBody>
@@ -36793,7 +36889,7 @@
                   <a:srgbClr val="FFFFFF"/>
                 </a:solidFill>
               </a:rPr>
-              <a:t>25</a:t>
+              <a:t>27</a:t>
             </a:r>
           </a:p>
         </p:txBody>
@@ -37101,7 +37197,7 @@
                   <a:schemeClr val="bg1"/>
                 </a:solidFill>
               </a:rPr>
-              <a:t>26</a:t>
+              <a:t>28</a:t>
             </a:r>
           </a:p>
         </p:txBody>
@@ -37314,7 +37410,7 @@
                   <a:schemeClr val="bg1"/>
                 </a:solidFill>
               </a:rPr>
-              <a:t>27</a:t>
+              <a:t>29</a:t>
             </a:r>
           </a:p>
         </p:txBody>
@@ -37515,7 +37611,7 @@
                   <a:schemeClr val="bg1"/>
                 </a:solidFill>
               </a:rPr>
-              <a:t>4</a:t>
+              <a:t>3</a:t>
             </a:r>
           </a:p>
         </p:txBody>
@@ -37525,18 +37621,9 @@
   <p:clrMapOvr>
     <a:masterClrMapping/>
   </p:clrMapOvr>
-  <mc:AlternateContent xmlns:mc="http://schemas.openxmlformats.org/markup-compatibility/2006" xmlns:p15="http://schemas.microsoft.com/office/powerpoint/2012/main">
-    <mc:Choice Requires="p15">
-      <p:transition xmlns:p14="http://schemas.microsoft.com/office/powerpoint/2010/main" spd="slow" p14:dur="2000">
-        <p15:prstTrans prst="drape"/>
-      </p:transition>
-    </mc:Choice>
-    <mc:Fallback xmlns="">
-      <p:transition spd="slow">
-        <p:fade/>
-      </p:transition>
-    </mc:Fallback>
-  </mc:AlternateContent>
+  <p:transition spd="slow">
+    <p:cover/>
+  </p:transition>
   <p:timing>
     <p:tnLst>
       <p:par>
@@ -38194,7 +38281,7 @@
                   <a:schemeClr val="bg1"/>
                 </a:solidFill>
               </a:rPr>
-              <a:t>28</a:t>
+              <a:t>30</a:t>
             </a:r>
           </a:p>
         </p:txBody>
@@ -38712,7 +38799,7 @@
                   <a:schemeClr val="bg1"/>
                 </a:solidFill>
               </a:rPr>
-              <a:t>29</a:t>
+              <a:t>31</a:t>
             </a:r>
           </a:p>
         </p:txBody>
@@ -38964,7 +39051,7 @@
                   <a:schemeClr val="bg1"/>
                 </a:solidFill>
               </a:rPr>
-              <a:t>30</a:t>
+              <a:t>32</a:t>
             </a:r>
           </a:p>
         </p:txBody>
@@ -39127,13 +39214,52 @@
         <p:spPr>
           <a:xfrm>
             <a:off x="148856" y="0"/>
-            <a:ext cx="8803758" cy="5143500"/>
+            <a:ext cx="8431618" cy="5143500"/>
           </a:xfrm>
           <a:prstGeom prst="rect">
             <a:avLst/>
           </a:prstGeom>
         </p:spPr>
       </p:pic>
+      <p:sp>
+        <p:nvSpPr>
+          <p:cNvPr id="5" name="ZoneTexte 3">
+            <a:extLst>
+              <a:ext uri="{FF2B5EF4-FFF2-40B4-BE49-F238E27FC236}">
+                <a16:creationId xmlns:a16="http://schemas.microsoft.com/office/drawing/2014/main" id="{0935D2BA-5CCD-4CAA-8ECF-4F1A21FDD84B}"/>
+              </a:ext>
+            </a:extLst>
+          </p:cNvPr>
+          <p:cNvSpPr txBox="1"/>
+          <p:nvPr/>
+        </p:nvSpPr>
+        <p:spPr>
+          <a:xfrm>
+            <a:off x="8676167" y="4743390"/>
+            <a:ext cx="467833" cy="400110"/>
+          </a:xfrm>
+          <a:prstGeom prst="rect">
+            <a:avLst/>
+          </a:prstGeom>
+          <a:noFill/>
+        </p:spPr>
+        <p:txBody>
+          <a:bodyPr wrap="square" rtlCol="0">
+            <a:spAutoFit/>
+          </a:bodyPr>
+          <a:lstStyle/>
+          <a:p>
+            <a:r>
+              <a:rPr lang="fr-FR" sz="2000" dirty="0">
+                <a:solidFill>
+                  <a:schemeClr val="bg1"/>
+                </a:solidFill>
+              </a:rPr>
+              <a:t>33</a:t>
+            </a:r>
+          </a:p>
+        </p:txBody>
+      </p:sp>
     </p:spTree>
     <p:extLst>
       <p:ext uri="{BB962C8B-B14F-4D97-AF65-F5344CB8AC3E}">
@@ -39248,7 +39374,7 @@
                   <a:schemeClr val="bg1"/>
                 </a:solidFill>
               </a:rPr>
-              <a:t>31</a:t>
+              <a:t>34</a:t>
             </a:r>
           </a:p>
         </p:txBody>
@@ -39601,7 +39727,7 @@
                   <a:schemeClr val="bg1"/>
                 </a:solidFill>
               </a:rPr>
-              <a:t>32</a:t>
+              <a:t>35</a:t>
             </a:r>
           </a:p>
         </p:txBody>
@@ -40157,7 +40283,7 @@
                   <a:schemeClr val="bg1"/>
                 </a:solidFill>
               </a:rPr>
-              <a:t>33</a:t>
+              <a:t>36</a:t>
             </a:r>
           </a:p>
         </p:txBody>
@@ -40786,7 +40912,7 @@
           </a:blip>
           <a:srcRect/>
           <a:stretch>
-            <a:fillRect l="-11000" r="-15000"/>
+            <a:fillRect l="17000" t="-19000" b="-19000"/>
           </a:stretch>
         </a:blipFill>
         <a:effectLst/>
@@ -40838,12 +40964,16 @@
               <a:buNone/>
             </a:pPr>
             <a:r>
-              <a:rPr lang="en" dirty="0"/>
+              <a:rPr lang="en" dirty="0">
+                <a:solidFill>
+                  <a:srgbClr val="FF0000"/>
+                </a:solidFill>
+              </a:rPr>
               <a:t>MERCI DE VOTRE ATTENTION !</a:t>
             </a:r>
             <a:endParaRPr lang="en" sz="3000" b="0" dirty="0">
               <a:solidFill>
-                <a:srgbClr val="607D8B"/>
+                <a:srgbClr val="FF0000"/>
               </a:solidFill>
               <a:latin typeface="Karla"/>
               <a:ea typeface="Karla"/>
@@ -41294,7 +41424,7 @@
             <a:noFill/>
             <a:ln w="12175" cap="rnd" cmpd="sng">
               <a:solidFill>
-                <a:srgbClr val="B7B7B7"/>
+                <a:srgbClr val="002060"/>
               </a:solidFill>
               <a:prstDash val="solid"/>
               <a:round/>
@@ -41314,7 +41444,11 @@
                 </a:spcBef>
                 <a:buNone/>
               </a:pPr>
-              <a:endParaRPr/>
+              <a:endParaRPr>
+                <a:solidFill>
+                  <a:srgbClr val="FF0000"/>
+                </a:solidFill>
+              </a:endParaRPr>
             </a:p>
           </p:txBody>
         </p:sp>
@@ -41457,7 +41591,7 @@
             <a:noFill/>
             <a:ln w="12175" cap="rnd" cmpd="sng">
               <a:solidFill>
-                <a:srgbClr val="B7B7B7"/>
+                <a:srgbClr val="002060"/>
               </a:solidFill>
               <a:prstDash val="solid"/>
               <a:round/>
@@ -41477,7 +41611,11 @@
                 </a:spcBef>
                 <a:buNone/>
               </a:pPr>
-              <a:endParaRPr/>
+              <a:endParaRPr>
+                <a:solidFill>
+                  <a:srgbClr val="FF0000"/>
+                </a:solidFill>
+              </a:endParaRPr>
             </a:p>
           </p:txBody>
         </p:sp>
@@ -41620,7 +41758,7 @@
             <a:noFill/>
             <a:ln w="12175" cap="rnd" cmpd="sng">
               <a:solidFill>
-                <a:srgbClr val="B7B7B7"/>
+                <a:srgbClr val="002060"/>
               </a:solidFill>
               <a:prstDash val="solid"/>
               <a:round/>
@@ -41640,7 +41778,11 @@
                 </a:spcBef>
                 <a:buNone/>
               </a:pPr>
-              <a:endParaRPr/>
+              <a:endParaRPr>
+                <a:solidFill>
+                  <a:srgbClr val="FF0000"/>
+                </a:solidFill>
+              </a:endParaRPr>
             </a:p>
           </p:txBody>
         </p:sp>
@@ -41726,7 +41868,7 @@
             <a:noFill/>
             <a:ln w="12175" cap="rnd" cmpd="sng">
               <a:solidFill>
-                <a:srgbClr val="B7B7B7"/>
+                <a:srgbClr val="002060"/>
               </a:solidFill>
               <a:prstDash val="solid"/>
               <a:round/>
@@ -41746,7 +41888,11 @@
                 </a:spcBef>
                 <a:buNone/>
               </a:pPr>
-              <a:endParaRPr/>
+              <a:endParaRPr>
+                <a:solidFill>
+                  <a:srgbClr val="FF0000"/>
+                </a:solidFill>
+              </a:endParaRPr>
             </a:p>
           </p:txBody>
         </p:sp>
@@ -41824,7 +41970,7 @@
                   <a:schemeClr val="bg1"/>
                 </a:solidFill>
               </a:rPr>
-              <a:t>2</a:t>
+              <a:t>4</a:t>
             </a:r>
           </a:p>
         </p:txBody>
@@ -42298,18 +42444,9 @@
   <p:clrMapOvr>
     <a:masterClrMapping/>
   </p:clrMapOvr>
-  <mc:AlternateContent xmlns:mc="http://schemas.openxmlformats.org/markup-compatibility/2006" xmlns:p14="http://schemas.microsoft.com/office/powerpoint/2010/main">
-    <mc:Choice Requires="p14">
-      <p:transition spd="slow" p14:dur="2000">
-        <p14:reveal/>
-      </p:transition>
-    </mc:Choice>
-    <mc:Fallback xmlns="">
-      <p:transition spd="slow">
-        <p:fade/>
-      </p:transition>
-    </mc:Fallback>
-  </mc:AlternateContent>
+  <p:transition spd="med">
+    <p:pull/>
+  </p:transition>
 </p:sld>
 </file>
 
@@ -42632,18 +42769,9 @@
   <p:clrMapOvr>
     <a:masterClrMapping/>
   </p:clrMapOvr>
-  <mc:AlternateContent xmlns:mc="http://schemas.openxmlformats.org/markup-compatibility/2006" xmlns:p14="http://schemas.microsoft.com/office/powerpoint/2010/main">
-    <mc:Choice Requires="p14">
-      <p:transition spd="slow" p14:dur="1600">
-        <p14:prism isInverted="1"/>
-      </p:transition>
-    </mc:Choice>
-    <mc:Fallback xmlns="">
-      <p:transition spd="slow">
-        <p:fade/>
-      </p:transition>
-    </mc:Fallback>
-  </mc:AlternateContent>
+  <p:transition spd="med">
+    <p:pull/>
+  </p:transition>
   <p:timing>
     <p:tnLst>
       <p:par>
@@ -43354,18 +43482,9 @@
   <p:clrMapOvr>
     <a:masterClrMapping/>
   </p:clrMapOvr>
-  <mc:AlternateContent xmlns:mc="http://schemas.openxmlformats.org/markup-compatibility/2006" xmlns:p14="http://schemas.microsoft.com/office/powerpoint/2010/main">
-    <mc:Choice Requires="p14">
-      <p:transition spd="slow" p14:dur="1600">
-        <p14:prism isInverted="1"/>
-      </p:transition>
-    </mc:Choice>
-    <mc:Fallback xmlns="">
-      <p:transition spd="slow">
-        <p:fade/>
-      </p:transition>
-    </mc:Fallback>
-  </mc:AlternateContent>
+  <p:transition spd="med">
+    <p:pull/>
+  </p:transition>
   <p:timing>
     <p:tnLst>
       <p:par>
@@ -43885,13 +44004,13 @@
   <p:clrMapOvr>
     <a:masterClrMapping/>
   </p:clrMapOvr>
-  <mc:AlternateContent xmlns:mc="http://schemas.openxmlformats.org/markup-compatibility/2006" xmlns:p14="http://schemas.microsoft.com/office/powerpoint/2010/main">
-    <mc:Choice Requires="p14">
-      <p:transition spd="slow" p14:dur="1600">
-        <p14:prism isInverted="1"/>
+  <mc:AlternateContent xmlns:mc="http://schemas.openxmlformats.org/markup-compatibility/2006">
+    <mc:Choice xmlns:p14="http://schemas.microsoft.com/office/powerpoint/2010/main" Requires="p14">
+      <p:transition spd="slow" p14:dur="3400">
+        <p14:reveal/>
       </p:transition>
     </mc:Choice>
-    <mc:Fallback xmlns="">
+    <mc:Fallback>
       <p:transition spd="slow">
         <p:fade/>
       </p:transition>
